--- a/Workflow.pptx
+++ b/Workflow.pptx
@@ -5,8 +5,8 @@
     <p:sldMasterId id="2147483648" r:id="rId1"/>
   </p:sldMasterIdLst>
   <p:sldIdLst>
-    <p:sldId id="256" r:id="rId2"/>
-    <p:sldId id="257" r:id="rId3"/>
+    <p:sldId id="257" r:id="rId2"/>
+    <p:sldId id="256" r:id="rId3"/>
   </p:sldIdLst>
   <p:sldSz cx="9144000" cy="6858000" type="screen4x3"/>
   <p:notesSz cx="6858000" cy="9144000"/>
@@ -289,7 +289,7 @@
           <a:p>
             <a:fld id="{6BEB3E44-9D36-B64F-BCE7-4E738A626E8D}" type="datetimeFigureOut">
               <a:rPr lang="en-US" smtClean="0"/>
-              <a:t>3/25/13</a:t>
+              <a:t>3/26/13</a:t>
             </a:fld>
             <a:endParaRPr lang="en-US"/>
           </a:p>
@@ -459,7 +459,7 @@
           <a:p>
             <a:fld id="{6BEB3E44-9D36-B64F-BCE7-4E738A626E8D}" type="datetimeFigureOut">
               <a:rPr lang="en-US" smtClean="0"/>
-              <a:t>3/25/13</a:t>
+              <a:t>3/26/13</a:t>
             </a:fld>
             <a:endParaRPr lang="en-US"/>
           </a:p>
@@ -639,7 +639,7 @@
           <a:p>
             <a:fld id="{6BEB3E44-9D36-B64F-BCE7-4E738A626E8D}" type="datetimeFigureOut">
               <a:rPr lang="en-US" smtClean="0"/>
-              <a:t>3/25/13</a:t>
+              <a:t>3/26/13</a:t>
             </a:fld>
             <a:endParaRPr lang="en-US"/>
           </a:p>
@@ -809,7 +809,7 @@
           <a:p>
             <a:fld id="{6BEB3E44-9D36-B64F-BCE7-4E738A626E8D}" type="datetimeFigureOut">
               <a:rPr lang="en-US" smtClean="0"/>
-              <a:t>3/25/13</a:t>
+              <a:t>3/26/13</a:t>
             </a:fld>
             <a:endParaRPr lang="en-US"/>
           </a:p>
@@ -1055,7 +1055,7 @@
           <a:p>
             <a:fld id="{6BEB3E44-9D36-B64F-BCE7-4E738A626E8D}" type="datetimeFigureOut">
               <a:rPr lang="en-US" smtClean="0"/>
-              <a:t>3/25/13</a:t>
+              <a:t>3/26/13</a:t>
             </a:fld>
             <a:endParaRPr lang="en-US"/>
           </a:p>
@@ -1343,7 +1343,7 @@
           <a:p>
             <a:fld id="{6BEB3E44-9D36-B64F-BCE7-4E738A626E8D}" type="datetimeFigureOut">
               <a:rPr lang="en-US" smtClean="0"/>
-              <a:t>3/25/13</a:t>
+              <a:t>3/26/13</a:t>
             </a:fld>
             <a:endParaRPr lang="en-US"/>
           </a:p>
@@ -1765,7 +1765,7 @@
           <a:p>
             <a:fld id="{6BEB3E44-9D36-B64F-BCE7-4E738A626E8D}" type="datetimeFigureOut">
               <a:rPr lang="en-US" smtClean="0"/>
-              <a:t>3/25/13</a:t>
+              <a:t>3/26/13</a:t>
             </a:fld>
             <a:endParaRPr lang="en-US"/>
           </a:p>
@@ -1883,7 +1883,7 @@
           <a:p>
             <a:fld id="{6BEB3E44-9D36-B64F-BCE7-4E738A626E8D}" type="datetimeFigureOut">
               <a:rPr lang="en-US" smtClean="0"/>
-              <a:t>3/25/13</a:t>
+              <a:t>3/26/13</a:t>
             </a:fld>
             <a:endParaRPr lang="en-US"/>
           </a:p>
@@ -1978,7 +1978,7 @@
           <a:p>
             <a:fld id="{6BEB3E44-9D36-B64F-BCE7-4E738A626E8D}" type="datetimeFigureOut">
               <a:rPr lang="en-US" smtClean="0"/>
-              <a:t>3/25/13</a:t>
+              <a:t>3/26/13</a:t>
             </a:fld>
             <a:endParaRPr lang="en-US"/>
           </a:p>
@@ -2255,7 +2255,7 @@
           <a:p>
             <a:fld id="{6BEB3E44-9D36-B64F-BCE7-4E738A626E8D}" type="datetimeFigureOut">
               <a:rPr lang="en-US" smtClean="0"/>
-              <a:t>3/25/13</a:t>
+              <a:t>3/26/13</a:t>
             </a:fld>
             <a:endParaRPr lang="en-US"/>
           </a:p>
@@ -2508,7 +2508,7 @@
           <a:p>
             <a:fld id="{6BEB3E44-9D36-B64F-BCE7-4E738A626E8D}" type="datetimeFigureOut">
               <a:rPr lang="en-US" smtClean="0"/>
-              <a:t>3/25/13</a:t>
+              <a:t>3/26/13</a:t>
             </a:fld>
             <a:endParaRPr lang="en-US"/>
           </a:p>
@@ -2721,7 +2721,7 @@
           <a:p>
             <a:fld id="{6BEB3E44-9D36-B64F-BCE7-4E738A626E8D}" type="datetimeFigureOut">
               <a:rPr lang="en-US" smtClean="0"/>
-              <a:t>3/25/13</a:t>
+              <a:t>3/26/13</a:t>
             </a:fld>
             <a:endParaRPr lang="en-US"/>
           </a:p>
@@ -3098,6 +3098,192 @@
       </p:grpSpPr>
       <p:pic>
         <p:nvPicPr>
+          <p:cNvPr id="2" name="Picture 1" descr="Assign Sections for Judging.png"/>
+          <p:cNvPicPr>
+            <a:picLocks noChangeAspect="1"/>
+          </p:cNvPicPr>
+          <p:nvPr/>
+        </p:nvPicPr>
+        <p:blipFill>
+          <a:blip r:embed="rId2">
+            <a:extLst>
+              <a:ext uri="{28A0092B-C50C-407E-A947-70E740481C1C}">
+                <a14:useLocalDpi xmlns:a14="http://schemas.microsoft.com/office/drawing/2010/main" val="0"/>
+              </a:ext>
+            </a:extLst>
+          </a:blip>
+          <a:stretch>
+            <a:fillRect/>
+          </a:stretch>
+        </p:blipFill>
+        <p:spPr>
+          <a:xfrm>
+            <a:off x="359784" y="0"/>
+            <a:ext cx="3560592" cy="3515469"/>
+          </a:xfrm>
+          <a:prstGeom prst="rect">
+            <a:avLst/>
+          </a:prstGeom>
+        </p:spPr>
+      </p:pic>
+      <p:pic>
+        <p:nvPicPr>
+          <p:cNvPr id="3" name="Picture 2" descr="Assign Sub Section.png"/>
+          <p:cNvPicPr>
+            <a:picLocks noChangeAspect="1"/>
+          </p:cNvPicPr>
+          <p:nvPr/>
+        </p:nvPicPr>
+        <p:blipFill>
+          <a:blip r:embed="rId3">
+            <a:extLst>
+              <a:ext uri="{28A0092B-C50C-407E-A947-70E740481C1C}">
+                <a14:useLocalDpi xmlns:a14="http://schemas.microsoft.com/office/drawing/2010/main" val="0"/>
+              </a:ext>
+            </a:extLst>
+          </a:blip>
+          <a:stretch>
+            <a:fillRect/>
+          </a:stretch>
+        </p:blipFill>
+        <p:spPr>
+          <a:xfrm>
+            <a:off x="3173183" y="0"/>
+            <a:ext cx="3537621" cy="3492789"/>
+          </a:xfrm>
+          <a:prstGeom prst="rect">
+            <a:avLst/>
+          </a:prstGeom>
+        </p:spPr>
+      </p:pic>
+      <p:pic>
+        <p:nvPicPr>
+          <p:cNvPr id="4" name="Picture 3" descr="Assign Rating Scale.png"/>
+          <p:cNvPicPr>
+            <a:picLocks noChangeAspect="1"/>
+          </p:cNvPicPr>
+          <p:nvPr/>
+        </p:nvPicPr>
+        <p:blipFill>
+          <a:blip r:embed="rId4">
+            <a:extLst>
+              <a:ext uri="{28A0092B-C50C-407E-A947-70E740481C1C}">
+                <a14:useLocalDpi xmlns:a14="http://schemas.microsoft.com/office/drawing/2010/main" val="0"/>
+              </a:ext>
+            </a:extLst>
+          </a:blip>
+          <a:stretch>
+            <a:fillRect/>
+          </a:stretch>
+        </p:blipFill>
+        <p:spPr>
+          <a:xfrm>
+            <a:off x="5507980" y="2154643"/>
+            <a:ext cx="3949278" cy="3899229"/>
+          </a:xfrm>
+          <a:prstGeom prst="rect">
+            <a:avLst/>
+          </a:prstGeom>
+        </p:spPr>
+      </p:pic>
+      <p:cxnSp>
+        <p:nvCxnSpPr>
+          <p:cNvPr id="6" name="Straight Arrow Connector 5"/>
+          <p:cNvCxnSpPr/>
+          <p:nvPr/>
+        </p:nvCxnSpPr>
+        <p:spPr>
+          <a:xfrm>
+            <a:off x="2528739" y="1678353"/>
+            <a:ext cx="1099945" cy="0"/>
+          </a:xfrm>
+          <a:prstGeom prst="straightConnector1">
+            <a:avLst/>
+          </a:prstGeom>
+          <a:ln>
+            <a:tailEnd type="arrow"/>
+          </a:ln>
+        </p:spPr>
+        <p:style>
+          <a:lnRef idx="2">
+            <a:schemeClr val="accent1"/>
+          </a:lnRef>
+          <a:fillRef idx="0">
+            <a:schemeClr val="accent1"/>
+          </a:fillRef>
+          <a:effectRef idx="1">
+            <a:schemeClr val="accent1"/>
+          </a:effectRef>
+          <a:fontRef idx="minor">
+            <a:schemeClr val="tx1"/>
+          </a:fontRef>
+        </p:style>
+      </p:cxnSp>
+      <p:cxnSp>
+        <p:nvCxnSpPr>
+          <p:cNvPr id="8" name="Straight Arrow Connector 7"/>
+          <p:cNvCxnSpPr/>
+          <p:nvPr/>
+        </p:nvCxnSpPr>
+        <p:spPr>
+          <a:xfrm>
+            <a:off x="5136856" y="3209283"/>
+            <a:ext cx="1471069" cy="787453"/>
+          </a:xfrm>
+          <a:prstGeom prst="straightConnector1">
+            <a:avLst/>
+          </a:prstGeom>
+          <a:ln>
+            <a:tailEnd type="arrow"/>
+          </a:ln>
+        </p:spPr>
+        <p:style>
+          <a:lnRef idx="2">
+            <a:schemeClr val="accent1"/>
+          </a:lnRef>
+          <a:fillRef idx="0">
+            <a:schemeClr val="accent1"/>
+          </a:fillRef>
+          <a:effectRef idx="1">
+            <a:schemeClr val="accent1"/>
+          </a:effectRef>
+          <a:fontRef idx="minor">
+            <a:schemeClr val="tx1"/>
+          </a:fontRef>
+        </p:style>
+      </p:cxnSp>
+    </p:spTree>
+    <p:extLst>
+      <p:ext uri="{BB962C8B-B14F-4D97-AF65-F5344CB8AC3E}">
+        <p14:creationId xmlns:p14="http://schemas.microsoft.com/office/powerpoint/2010/main" val="3113210194"/>
+      </p:ext>
+    </p:extLst>
+  </p:cSld>
+  <p:clrMapOvr>
+    <a:masterClrMapping/>
+  </p:clrMapOvr>
+</p:sld>
+</file>
+
+<file path=ppt/slides/slide2.xml><?xml version="1.0" encoding="utf-8"?>
+<p:sld xmlns:a="http://schemas.openxmlformats.org/drawingml/2006/main" xmlns:r="http://schemas.openxmlformats.org/officeDocument/2006/relationships" xmlns:p="http://schemas.openxmlformats.org/presentationml/2006/main">
+  <p:cSld>
+    <p:spTree>
+      <p:nvGrpSpPr>
+        <p:cNvPr id="1" name=""/>
+        <p:cNvGrpSpPr/>
+        <p:nvPr/>
+      </p:nvGrpSpPr>
+      <p:grpSpPr>
+        <a:xfrm>
+          <a:off x="0" y="0"/>
+          <a:ext cx="0" cy="0"/>
+          <a:chOff x="0" y="0"/>
+          <a:chExt cx="0" cy="0"/>
+        </a:xfrm>
+      </p:grpSpPr>
+      <p:pic>
+        <p:nvPicPr>
           <p:cNvPr id="4" name="Picture 3" descr="Presenter:Judge Names.png"/>
           <p:cNvPicPr>
             <a:picLocks noChangeAspect="1"/>
@@ -3319,192 +3505,6 @@
     <p:extLst>
       <p:ext uri="{BB962C8B-B14F-4D97-AF65-F5344CB8AC3E}">
         <p14:creationId xmlns:p14="http://schemas.microsoft.com/office/powerpoint/2010/main" val="1404678702"/>
-      </p:ext>
-    </p:extLst>
-  </p:cSld>
-  <p:clrMapOvr>
-    <a:masterClrMapping/>
-  </p:clrMapOvr>
-</p:sld>
-</file>
-
-<file path=ppt/slides/slide2.xml><?xml version="1.0" encoding="utf-8"?>
-<p:sld xmlns:a="http://schemas.openxmlformats.org/drawingml/2006/main" xmlns:r="http://schemas.openxmlformats.org/officeDocument/2006/relationships" xmlns:p="http://schemas.openxmlformats.org/presentationml/2006/main">
-  <p:cSld>
-    <p:spTree>
-      <p:nvGrpSpPr>
-        <p:cNvPr id="1" name=""/>
-        <p:cNvGrpSpPr/>
-        <p:nvPr/>
-      </p:nvGrpSpPr>
-      <p:grpSpPr>
-        <a:xfrm>
-          <a:off x="0" y="0"/>
-          <a:ext cx="0" cy="0"/>
-          <a:chOff x="0" y="0"/>
-          <a:chExt cx="0" cy="0"/>
-        </a:xfrm>
-      </p:grpSpPr>
-      <p:pic>
-        <p:nvPicPr>
-          <p:cNvPr id="2" name="Picture 1" descr="Assign Sections for Judging.png"/>
-          <p:cNvPicPr>
-            <a:picLocks noChangeAspect="1"/>
-          </p:cNvPicPr>
-          <p:nvPr/>
-        </p:nvPicPr>
-        <p:blipFill>
-          <a:blip r:embed="rId2">
-            <a:extLst>
-              <a:ext uri="{28A0092B-C50C-407E-A947-70E740481C1C}">
-                <a14:useLocalDpi xmlns:a14="http://schemas.microsoft.com/office/drawing/2010/main" val="0"/>
-              </a:ext>
-            </a:extLst>
-          </a:blip>
-          <a:stretch>
-            <a:fillRect/>
-          </a:stretch>
-        </p:blipFill>
-        <p:spPr>
-          <a:xfrm>
-            <a:off x="359784" y="-102062"/>
-            <a:ext cx="3560592" cy="3515469"/>
-          </a:xfrm>
-          <a:prstGeom prst="rect">
-            <a:avLst/>
-          </a:prstGeom>
-        </p:spPr>
-      </p:pic>
-      <p:pic>
-        <p:nvPicPr>
-          <p:cNvPr id="3" name="Picture 2" descr="Assign Sub Section.png"/>
-          <p:cNvPicPr>
-            <a:picLocks noChangeAspect="1"/>
-          </p:cNvPicPr>
-          <p:nvPr/>
-        </p:nvPicPr>
-        <p:blipFill>
-          <a:blip r:embed="rId3">
-            <a:extLst>
-              <a:ext uri="{28A0092B-C50C-407E-A947-70E740481C1C}">
-                <a14:useLocalDpi xmlns:a14="http://schemas.microsoft.com/office/drawing/2010/main" val="0"/>
-              </a:ext>
-            </a:extLst>
-          </a:blip>
-          <a:stretch>
-            <a:fillRect/>
-          </a:stretch>
-        </p:blipFill>
-        <p:spPr>
-          <a:xfrm>
-            <a:off x="3173183" y="0"/>
-            <a:ext cx="3537621" cy="3492789"/>
-          </a:xfrm>
-          <a:prstGeom prst="rect">
-            <a:avLst/>
-          </a:prstGeom>
-        </p:spPr>
-      </p:pic>
-      <p:pic>
-        <p:nvPicPr>
-          <p:cNvPr id="4" name="Picture 3" descr="Assign Rating Scale.png"/>
-          <p:cNvPicPr>
-            <a:picLocks noChangeAspect="1"/>
-          </p:cNvPicPr>
-          <p:nvPr/>
-        </p:nvPicPr>
-        <p:blipFill>
-          <a:blip r:embed="rId4">
-            <a:extLst>
-              <a:ext uri="{28A0092B-C50C-407E-A947-70E740481C1C}">
-                <a14:useLocalDpi xmlns:a14="http://schemas.microsoft.com/office/drawing/2010/main" val="0"/>
-              </a:ext>
-            </a:extLst>
-          </a:blip>
-          <a:stretch>
-            <a:fillRect/>
-          </a:stretch>
-        </p:blipFill>
-        <p:spPr>
-          <a:xfrm>
-            <a:off x="5507980" y="2154643"/>
-            <a:ext cx="3949278" cy="3899229"/>
-          </a:xfrm>
-          <a:prstGeom prst="rect">
-            <a:avLst/>
-          </a:prstGeom>
-        </p:spPr>
-      </p:pic>
-      <p:cxnSp>
-        <p:nvCxnSpPr>
-          <p:cNvPr id="6" name="Straight Arrow Connector 5"/>
-          <p:cNvCxnSpPr/>
-          <p:nvPr/>
-        </p:nvCxnSpPr>
-        <p:spPr>
-          <a:xfrm>
-            <a:off x="2528739" y="1678353"/>
-            <a:ext cx="1099945" cy="0"/>
-          </a:xfrm>
-          <a:prstGeom prst="straightConnector1">
-            <a:avLst/>
-          </a:prstGeom>
-          <a:ln>
-            <a:tailEnd type="arrow"/>
-          </a:ln>
-        </p:spPr>
-        <p:style>
-          <a:lnRef idx="2">
-            <a:schemeClr val="accent1"/>
-          </a:lnRef>
-          <a:fillRef idx="0">
-            <a:schemeClr val="accent1"/>
-          </a:fillRef>
-          <a:effectRef idx="1">
-            <a:schemeClr val="accent1"/>
-          </a:effectRef>
-          <a:fontRef idx="minor">
-            <a:schemeClr val="tx1"/>
-          </a:fontRef>
-        </p:style>
-      </p:cxnSp>
-      <p:cxnSp>
-        <p:nvCxnSpPr>
-          <p:cNvPr id="8" name="Straight Arrow Connector 7"/>
-          <p:cNvCxnSpPr/>
-          <p:nvPr/>
-        </p:nvCxnSpPr>
-        <p:spPr>
-          <a:xfrm>
-            <a:off x="5136856" y="3209283"/>
-            <a:ext cx="1471069" cy="787453"/>
-          </a:xfrm>
-          <a:prstGeom prst="straightConnector1">
-            <a:avLst/>
-          </a:prstGeom>
-          <a:ln>
-            <a:tailEnd type="arrow"/>
-          </a:ln>
-        </p:spPr>
-        <p:style>
-          <a:lnRef idx="2">
-            <a:schemeClr val="accent1"/>
-          </a:lnRef>
-          <a:fillRef idx="0">
-            <a:schemeClr val="accent1"/>
-          </a:fillRef>
-          <a:effectRef idx="1">
-            <a:schemeClr val="accent1"/>
-          </a:effectRef>
-          <a:fontRef idx="minor">
-            <a:schemeClr val="tx1"/>
-          </a:fontRef>
-        </p:style>
-      </p:cxnSp>
-    </p:spTree>
-    <p:extLst>
-      <p:ext uri="{BB962C8B-B14F-4D97-AF65-F5344CB8AC3E}">
-        <p14:creationId xmlns:p14="http://schemas.microsoft.com/office/powerpoint/2010/main" val="3113210194"/>
       </p:ext>
     </p:extLst>
   </p:cSld>

--- a/Workflow.pptx
+++ b/Workflow.pptx
@@ -6,7 +6,8 @@
   </p:sldMasterIdLst>
   <p:sldIdLst>
     <p:sldId id="257" r:id="rId2"/>
-    <p:sldId id="256" r:id="rId3"/>
+    <p:sldId id="258" r:id="rId3"/>
+    <p:sldId id="256" r:id="rId4"/>
   </p:sldIdLst>
   <p:sldSz cx="9144000" cy="6858000" type="screen4x3"/>
   <p:notesSz cx="6858000" cy="9144000"/>
@@ -3284,7 +3285,7 @@
       </p:grpSpPr>
       <p:pic>
         <p:nvPicPr>
-          <p:cNvPr id="4" name="Picture 3" descr="Presenter:Judge Names.png"/>
+          <p:cNvPr id="2" name="Picture 1" descr="Presentation List.png"/>
           <p:cNvPicPr>
             <a:picLocks noChangeAspect="1"/>
           </p:cNvPicPr>
@@ -3304,14 +3305,172 @@
         </p:blipFill>
         <p:spPr>
           <a:xfrm>
-            <a:off x="371124" y="0"/>
-            <a:ext cx="3393636" cy="3350629"/>
+            <a:off x="-634967" y="0"/>
+            <a:ext cx="4183316" cy="4130301"/>
           </a:xfrm>
           <a:prstGeom prst="rect">
             <a:avLst/>
           </a:prstGeom>
         </p:spPr>
       </p:pic>
+      <p:pic>
+        <p:nvPicPr>
+          <p:cNvPr id="3" name="Picture 2" descr="Email Process.png"/>
+          <p:cNvPicPr>
+            <a:picLocks noChangeAspect="1"/>
+          </p:cNvPicPr>
+          <p:nvPr/>
+        </p:nvPicPr>
+        <p:blipFill>
+          <a:blip r:embed="rId3">
+            <a:extLst>
+              <a:ext uri="{28A0092B-C50C-407E-A947-70E740481C1C}">
+                <a14:useLocalDpi xmlns:a14="http://schemas.microsoft.com/office/drawing/2010/main" val="0"/>
+              </a:ext>
+            </a:extLst>
+          </a:blip>
+          <a:stretch>
+            <a:fillRect/>
+          </a:stretch>
+        </p:blipFill>
+        <p:spPr>
+          <a:xfrm>
+            <a:off x="2765834" y="186740"/>
+            <a:ext cx="3770597" cy="4171862"/>
+          </a:xfrm>
+          <a:prstGeom prst="rect">
+            <a:avLst/>
+          </a:prstGeom>
+        </p:spPr>
+      </p:pic>
+      <p:cxnSp>
+        <p:nvCxnSpPr>
+          <p:cNvPr id="5" name="Straight Arrow Connector 4"/>
+          <p:cNvCxnSpPr/>
+          <p:nvPr/>
+        </p:nvCxnSpPr>
+        <p:spPr>
+          <a:xfrm flipV="1">
+            <a:off x="2297089" y="1755349"/>
+            <a:ext cx="1438015" cy="56022"/>
+          </a:xfrm>
+          <a:prstGeom prst="straightConnector1">
+            <a:avLst/>
+          </a:prstGeom>
+          <a:ln>
+            <a:tailEnd type="arrow"/>
+          </a:ln>
+        </p:spPr>
+        <p:style>
+          <a:lnRef idx="2">
+            <a:schemeClr val="accent1"/>
+          </a:lnRef>
+          <a:fillRef idx="0">
+            <a:schemeClr val="accent1"/>
+          </a:fillRef>
+          <a:effectRef idx="1">
+            <a:schemeClr val="accent1"/>
+          </a:effectRef>
+          <a:fontRef idx="minor">
+            <a:schemeClr val="tx1"/>
+          </a:fontRef>
+        </p:style>
+      </p:cxnSp>
+      <p:cxnSp>
+        <p:nvCxnSpPr>
+          <p:cNvPr id="6" name="Straight Arrow Connector 5"/>
+          <p:cNvCxnSpPr/>
+          <p:nvPr/>
+        </p:nvCxnSpPr>
+        <p:spPr>
+          <a:xfrm>
+            <a:off x="1327819" y="4002592"/>
+            <a:ext cx="0" cy="1285493"/>
+          </a:xfrm>
+          <a:prstGeom prst="straightConnector1">
+            <a:avLst/>
+          </a:prstGeom>
+          <a:ln>
+            <a:tailEnd type="arrow"/>
+          </a:ln>
+        </p:spPr>
+        <p:style>
+          <a:lnRef idx="2">
+            <a:schemeClr val="accent1"/>
+          </a:lnRef>
+          <a:fillRef idx="0">
+            <a:schemeClr val="accent1"/>
+          </a:fillRef>
+          <a:effectRef idx="1">
+            <a:schemeClr val="accent1"/>
+          </a:effectRef>
+          <a:fontRef idx="minor">
+            <a:schemeClr val="tx1"/>
+          </a:fontRef>
+        </p:style>
+      </p:cxnSp>
+      <p:sp>
+        <p:nvSpPr>
+          <p:cNvPr id="8" name="TextBox 7"/>
+          <p:cNvSpPr txBox="1"/>
+          <p:nvPr/>
+        </p:nvSpPr>
+        <p:spPr>
+          <a:xfrm>
+            <a:off x="562123" y="5521773"/>
+            <a:ext cx="2431450" cy="646331"/>
+          </a:xfrm>
+          <a:prstGeom prst="rect">
+            <a:avLst/>
+          </a:prstGeom>
+          <a:noFill/>
+        </p:spPr>
+        <p:txBody>
+          <a:bodyPr wrap="none" rtlCol="0">
+            <a:spAutoFit/>
+          </a:bodyPr>
+          <a:lstStyle/>
+          <a:p>
+            <a:r>
+              <a:rPr lang="en-US" dirty="0" smtClean="0"/>
+              <a:t>To Presentation Judging</a:t>
+            </a:r>
+          </a:p>
+          <a:p>
+            <a:endParaRPr lang="en-US" dirty="0"/>
+          </a:p>
+        </p:txBody>
+      </p:sp>
+    </p:spTree>
+    <p:extLst>
+      <p:ext uri="{BB962C8B-B14F-4D97-AF65-F5344CB8AC3E}">
+        <p14:creationId xmlns:p14="http://schemas.microsoft.com/office/powerpoint/2010/main" val="4172417012"/>
+      </p:ext>
+    </p:extLst>
+  </p:cSld>
+  <p:clrMapOvr>
+    <a:masterClrMapping/>
+  </p:clrMapOvr>
+</p:sld>
+</file>
+
+<file path=ppt/slides/slide3.xml><?xml version="1.0" encoding="utf-8"?>
+<p:sld xmlns:a="http://schemas.openxmlformats.org/drawingml/2006/main" xmlns:r="http://schemas.openxmlformats.org/officeDocument/2006/relationships" xmlns:p="http://schemas.openxmlformats.org/presentationml/2006/main">
+  <p:cSld>
+    <p:spTree>
+      <p:nvGrpSpPr>
+        <p:cNvPr id="1" name=""/>
+        <p:cNvGrpSpPr/>
+        <p:nvPr/>
+      </p:nvGrpSpPr>
+      <p:grpSpPr>
+        <a:xfrm>
+          <a:off x="0" y="0"/>
+          <a:ext cx="0" cy="0"/>
+          <a:chOff x="0" y="0"/>
+          <a:chExt cx="0" cy="0"/>
+        </a:xfrm>
+      </p:grpSpPr>
       <p:pic>
         <p:nvPicPr>
           <p:cNvPr id="5" name="Picture 4" descr="Select Section.png"/>
@@ -3321,7 +3480,7 @@
           <p:nvPr/>
         </p:nvPicPr>
         <p:blipFill>
-          <a:blip r:embed="rId3">
+          <a:blip r:embed="rId2">
             <a:extLst>
               <a:ext uri="{28A0092B-C50C-407E-A947-70E740481C1C}">
                 <a14:useLocalDpi xmlns:a14="http://schemas.microsoft.com/office/drawing/2010/main" val="0"/>
@@ -3351,7 +3510,7 @@
           <p:nvPr/>
         </p:nvPicPr>
         <p:blipFill>
-          <a:blip r:embed="rId4">
+          <a:blip r:embed="rId3">
             <a:extLst>
               <a:ext uri="{28A0092B-C50C-407E-A947-70E740481C1C}">
                 <a14:useLocalDpi xmlns:a14="http://schemas.microsoft.com/office/drawing/2010/main" val="0"/>
@@ -3381,7 +3540,7 @@
           <p:nvPr/>
         </p:nvPicPr>
         <p:blipFill>
-          <a:blip r:embed="rId5">
+          <a:blip r:embed="rId4">
             <a:extLst>
               <a:ext uri="{28A0092B-C50C-407E-A947-70E740481C1C}">
                 <a14:useLocalDpi xmlns:a14="http://schemas.microsoft.com/office/drawing/2010/main" val="0"/>
@@ -3501,6 +3660,36 @@
           </a:fontRef>
         </p:style>
       </p:cxnSp>
+      <p:pic>
+        <p:nvPicPr>
+          <p:cNvPr id="2" name="Picture 1" descr="Presenter:Judge Names.png"/>
+          <p:cNvPicPr>
+            <a:picLocks noChangeAspect="1"/>
+          </p:cNvPicPr>
+          <p:nvPr/>
+        </p:nvPicPr>
+        <p:blipFill>
+          <a:blip r:embed="rId5">
+            <a:extLst>
+              <a:ext uri="{28A0092B-C50C-407E-A947-70E740481C1C}">
+                <a14:useLocalDpi xmlns:a14="http://schemas.microsoft.com/office/drawing/2010/main" val="0"/>
+              </a:ext>
+            </a:extLst>
+          </a:blip>
+          <a:stretch>
+            <a:fillRect/>
+          </a:stretch>
+        </p:blipFill>
+        <p:spPr>
+          <a:xfrm>
+            <a:off x="137978" y="0"/>
+            <a:ext cx="3785536" cy="3737562"/>
+          </a:xfrm>
+          <a:prstGeom prst="rect">
+            <a:avLst/>
+          </a:prstGeom>
+        </p:spPr>
+      </p:pic>
     </p:spTree>
     <p:extLst>
       <p:ext uri="{BB962C8B-B14F-4D97-AF65-F5344CB8AC3E}">

--- a/Workflow.pptx
+++ b/Workflow.pptx
@@ -4,10 +4,14 @@
   <p:sldMasterIdLst>
     <p:sldMasterId id="2147483648" r:id="rId1"/>
   </p:sldMasterIdLst>
+  <p:handoutMasterIdLst>
+    <p:handoutMasterId r:id="rId6"/>
+  </p:handoutMasterIdLst>
   <p:sldIdLst>
-    <p:sldId id="257" r:id="rId2"/>
-    <p:sldId id="258" r:id="rId3"/>
-    <p:sldId id="256" r:id="rId4"/>
+    <p:sldId id="259" r:id="rId2"/>
+    <p:sldId id="257" r:id="rId3"/>
+    <p:sldId id="258" r:id="rId4"/>
+    <p:sldId id="256" r:id="rId5"/>
   </p:sldIdLst>
   <p:sldSz cx="9144000" cy="6858000" type="screen4x3"/>
   <p:notesSz cx="6858000" cy="9144000"/>
@@ -109,6 +113,171 @@
 </p:presentation>
 </file>
 
+<file path=ppt/handoutMasters/handoutMaster1.xml><?xml version="1.0" encoding="utf-8"?>
+<p:handoutMaster xmlns:a="http://schemas.openxmlformats.org/drawingml/2006/main" xmlns:r="http://schemas.openxmlformats.org/officeDocument/2006/relationships" xmlns:p="http://schemas.openxmlformats.org/presentationml/2006/main">
+  <p:cSld>
+    <p:bg>
+      <p:bgRef idx="1001">
+        <a:schemeClr val="bg1"/>
+      </p:bgRef>
+    </p:bg>
+    <p:spTree>
+      <p:nvGrpSpPr>
+        <p:cNvPr id="1" name=""/>
+        <p:cNvGrpSpPr/>
+        <p:nvPr/>
+      </p:nvGrpSpPr>
+      <p:grpSpPr>
+        <a:xfrm>
+          <a:off x="0" y="0"/>
+          <a:ext cx="0" cy="0"/>
+          <a:chOff x="0" y="0"/>
+          <a:chExt cx="0" cy="0"/>
+        </a:xfrm>
+      </p:grpSpPr>
+      <p:sp>
+        <p:nvSpPr>
+          <p:cNvPr id="2" name="Header Placeholder 1"/>
+          <p:cNvSpPr>
+            <a:spLocks noGrp="1"/>
+          </p:cNvSpPr>
+          <p:nvPr>
+            <p:ph type="hdr" sz="quarter"/>
+          </p:nvPr>
+        </p:nvSpPr>
+        <p:spPr>
+          <a:xfrm>
+            <a:off x="0" y="0"/>
+            <a:ext cx="2971800" cy="457200"/>
+          </a:xfrm>
+          <a:prstGeom prst="rect">
+            <a:avLst/>
+          </a:prstGeom>
+        </p:spPr>
+        <p:txBody>
+          <a:bodyPr vert="horz" lIns="91440" tIns="45720" rIns="91440" bIns="45720" rtlCol="0"/>
+          <a:lstStyle>
+            <a:lvl1pPr algn="l">
+              <a:defRPr sz="1200"/>
+            </a:lvl1pPr>
+          </a:lstStyle>
+          <a:p>
+            <a:endParaRPr lang="en-US"/>
+          </a:p>
+        </p:txBody>
+      </p:sp>
+      <p:sp>
+        <p:nvSpPr>
+          <p:cNvPr id="3" name="Date Placeholder 2"/>
+          <p:cNvSpPr>
+            <a:spLocks noGrp="1"/>
+          </p:cNvSpPr>
+          <p:nvPr>
+            <p:ph type="dt" sz="quarter" idx="1"/>
+          </p:nvPr>
+        </p:nvSpPr>
+        <p:spPr>
+          <a:xfrm>
+            <a:off x="3884613" y="0"/>
+            <a:ext cx="2971800" cy="457200"/>
+          </a:xfrm>
+          <a:prstGeom prst="rect">
+            <a:avLst/>
+          </a:prstGeom>
+        </p:spPr>
+        <p:txBody>
+          <a:bodyPr vert="horz" lIns="91440" tIns="45720" rIns="91440" bIns="45720" rtlCol="0"/>
+          <a:lstStyle>
+            <a:lvl1pPr algn="r">
+              <a:defRPr sz="1200"/>
+            </a:lvl1pPr>
+          </a:lstStyle>
+          <a:p>
+            <a:fld id="{EE543589-4AEB-4B47-B4F6-7A2562B1689F}" type="datetimeFigureOut">
+              <a:rPr lang="en-US" smtClean="0"/>
+              <a:t>3/27/13</a:t>
+            </a:fld>
+            <a:endParaRPr lang="en-US"/>
+          </a:p>
+        </p:txBody>
+      </p:sp>
+      <p:sp>
+        <p:nvSpPr>
+          <p:cNvPr id="4" name="Footer Placeholder 3"/>
+          <p:cNvSpPr>
+            <a:spLocks noGrp="1"/>
+          </p:cNvSpPr>
+          <p:nvPr>
+            <p:ph type="ftr" sz="quarter" idx="2"/>
+          </p:nvPr>
+        </p:nvSpPr>
+        <p:spPr>
+          <a:xfrm>
+            <a:off x="0" y="8685213"/>
+            <a:ext cx="2971800" cy="457200"/>
+          </a:xfrm>
+          <a:prstGeom prst="rect">
+            <a:avLst/>
+          </a:prstGeom>
+        </p:spPr>
+        <p:txBody>
+          <a:bodyPr vert="horz" lIns="91440" tIns="45720" rIns="91440" bIns="45720" rtlCol="0" anchor="b"/>
+          <a:lstStyle>
+            <a:lvl1pPr algn="l">
+              <a:defRPr sz="1200"/>
+            </a:lvl1pPr>
+          </a:lstStyle>
+          <a:p>
+            <a:endParaRPr lang="en-US"/>
+          </a:p>
+        </p:txBody>
+      </p:sp>
+      <p:sp>
+        <p:nvSpPr>
+          <p:cNvPr id="5" name="Slide Number Placeholder 4"/>
+          <p:cNvSpPr>
+            <a:spLocks noGrp="1"/>
+          </p:cNvSpPr>
+          <p:nvPr>
+            <p:ph type="sldNum" sz="quarter" idx="3"/>
+          </p:nvPr>
+        </p:nvSpPr>
+        <p:spPr>
+          <a:xfrm>
+            <a:off x="3884613" y="8685213"/>
+            <a:ext cx="2971800" cy="457200"/>
+          </a:xfrm>
+          <a:prstGeom prst="rect">
+            <a:avLst/>
+          </a:prstGeom>
+        </p:spPr>
+        <p:txBody>
+          <a:bodyPr vert="horz" lIns="91440" tIns="45720" rIns="91440" bIns="45720" rtlCol="0" anchor="b"/>
+          <a:lstStyle>
+            <a:lvl1pPr algn="r">
+              <a:defRPr sz="1200"/>
+            </a:lvl1pPr>
+          </a:lstStyle>
+          <a:p>
+            <a:fld id="{F7362950-7193-1F49-9987-B8E4306FD915}" type="slidenum">
+              <a:rPr lang="en-US" smtClean="0"/>
+              <a:t>‹#›</a:t>
+            </a:fld>
+            <a:endParaRPr lang="en-US"/>
+          </a:p>
+        </p:txBody>
+      </p:sp>
+    </p:spTree>
+    <p:extLst>
+      <p:ext uri="{BB962C8B-B14F-4D97-AF65-F5344CB8AC3E}">
+        <p14:creationId xmlns:p14="http://schemas.microsoft.com/office/powerpoint/2010/main" val="4132505406"/>
+      </p:ext>
+    </p:extLst>
+  </p:cSld>
+  <p:clrMap bg1="lt1" tx1="dk1" bg2="lt2" tx2="dk2" accent1="accent1" accent2="accent2" accent3="accent3" accent4="accent4" accent5="accent5" accent6="accent6" hlink="hlink" folHlink="folHlink"/>
+</p:handoutMaster>
+</file>
+
 <file path=ppt/slideLayouts/slideLayout1.xml><?xml version="1.0" encoding="utf-8"?>
 <p:sldLayout xmlns:a="http://schemas.openxmlformats.org/drawingml/2006/main" xmlns:r="http://schemas.openxmlformats.org/officeDocument/2006/relationships" xmlns:p="http://schemas.openxmlformats.org/presentationml/2006/main" type="title" preserve="1">
   <p:cSld name="Title Slide">
@@ -290,7 +459,7 @@
           <a:p>
             <a:fld id="{6BEB3E44-9D36-B64F-BCE7-4E738A626E8D}" type="datetimeFigureOut">
               <a:rPr lang="en-US" smtClean="0"/>
-              <a:t>3/26/13</a:t>
+              <a:t>3/27/13</a:t>
             </a:fld>
             <a:endParaRPr lang="en-US"/>
           </a:p>
@@ -460,7 +629,7 @@
           <a:p>
             <a:fld id="{6BEB3E44-9D36-B64F-BCE7-4E738A626E8D}" type="datetimeFigureOut">
               <a:rPr lang="en-US" smtClean="0"/>
-              <a:t>3/26/13</a:t>
+              <a:t>3/27/13</a:t>
             </a:fld>
             <a:endParaRPr lang="en-US"/>
           </a:p>
@@ -640,7 +809,7 @@
           <a:p>
             <a:fld id="{6BEB3E44-9D36-B64F-BCE7-4E738A626E8D}" type="datetimeFigureOut">
               <a:rPr lang="en-US" smtClean="0"/>
-              <a:t>3/26/13</a:t>
+              <a:t>3/27/13</a:t>
             </a:fld>
             <a:endParaRPr lang="en-US"/>
           </a:p>
@@ -810,7 +979,7 @@
           <a:p>
             <a:fld id="{6BEB3E44-9D36-B64F-BCE7-4E738A626E8D}" type="datetimeFigureOut">
               <a:rPr lang="en-US" smtClean="0"/>
-              <a:t>3/26/13</a:t>
+              <a:t>3/27/13</a:t>
             </a:fld>
             <a:endParaRPr lang="en-US"/>
           </a:p>
@@ -1056,7 +1225,7 @@
           <a:p>
             <a:fld id="{6BEB3E44-9D36-B64F-BCE7-4E738A626E8D}" type="datetimeFigureOut">
               <a:rPr lang="en-US" smtClean="0"/>
-              <a:t>3/26/13</a:t>
+              <a:t>3/27/13</a:t>
             </a:fld>
             <a:endParaRPr lang="en-US"/>
           </a:p>
@@ -1344,7 +1513,7 @@
           <a:p>
             <a:fld id="{6BEB3E44-9D36-B64F-BCE7-4E738A626E8D}" type="datetimeFigureOut">
               <a:rPr lang="en-US" smtClean="0"/>
-              <a:t>3/26/13</a:t>
+              <a:t>3/27/13</a:t>
             </a:fld>
             <a:endParaRPr lang="en-US"/>
           </a:p>
@@ -1766,7 +1935,7 @@
           <a:p>
             <a:fld id="{6BEB3E44-9D36-B64F-BCE7-4E738A626E8D}" type="datetimeFigureOut">
               <a:rPr lang="en-US" smtClean="0"/>
-              <a:t>3/26/13</a:t>
+              <a:t>3/27/13</a:t>
             </a:fld>
             <a:endParaRPr lang="en-US"/>
           </a:p>
@@ -1884,7 +2053,7 @@
           <a:p>
             <a:fld id="{6BEB3E44-9D36-B64F-BCE7-4E738A626E8D}" type="datetimeFigureOut">
               <a:rPr lang="en-US" smtClean="0"/>
-              <a:t>3/26/13</a:t>
+              <a:t>3/27/13</a:t>
             </a:fld>
             <a:endParaRPr lang="en-US"/>
           </a:p>
@@ -1979,7 +2148,7 @@
           <a:p>
             <a:fld id="{6BEB3E44-9D36-B64F-BCE7-4E738A626E8D}" type="datetimeFigureOut">
               <a:rPr lang="en-US" smtClean="0"/>
-              <a:t>3/26/13</a:t>
+              <a:t>3/27/13</a:t>
             </a:fld>
             <a:endParaRPr lang="en-US"/>
           </a:p>
@@ -2256,7 +2425,7 @@
           <a:p>
             <a:fld id="{6BEB3E44-9D36-B64F-BCE7-4E738A626E8D}" type="datetimeFigureOut">
               <a:rPr lang="en-US" smtClean="0"/>
-              <a:t>3/26/13</a:t>
+              <a:t>3/27/13</a:t>
             </a:fld>
             <a:endParaRPr lang="en-US"/>
           </a:p>
@@ -2509,7 +2678,7 @@
           <a:p>
             <a:fld id="{6BEB3E44-9D36-B64F-BCE7-4E738A626E8D}" type="datetimeFigureOut">
               <a:rPr lang="en-US" smtClean="0"/>
-              <a:t>3/26/13</a:t>
+              <a:t>3/27/13</a:t>
             </a:fld>
             <a:endParaRPr lang="en-US"/>
           </a:p>
@@ -2722,7 +2891,7 @@
           <a:p>
             <a:fld id="{6BEB3E44-9D36-B64F-BCE7-4E738A626E8D}" type="datetimeFigureOut">
               <a:rPr lang="en-US" smtClean="0"/>
-              <a:t>3/26/13</a:t>
+              <a:t>3/27/13</a:t>
             </a:fld>
             <a:endParaRPr lang="en-US"/>
           </a:p>
@@ -3099,6 +3268,192 @@
       </p:grpSpPr>
       <p:pic>
         <p:nvPicPr>
+          <p:cNvPr id="2" name="Picture 1" descr="Choose Template.png"/>
+          <p:cNvPicPr>
+            <a:picLocks noChangeAspect="1"/>
+          </p:cNvPicPr>
+          <p:nvPr/>
+        </p:nvPicPr>
+        <p:blipFill>
+          <a:blip r:embed="rId2">
+            <a:extLst>
+              <a:ext uri="{28A0092B-C50C-407E-A947-70E740481C1C}">
+                <a14:useLocalDpi xmlns:a14="http://schemas.microsoft.com/office/drawing/2010/main" val="0"/>
+              </a:ext>
+            </a:extLst>
+          </a:blip>
+          <a:stretch>
+            <a:fillRect/>
+          </a:stretch>
+        </p:blipFill>
+        <p:spPr>
+          <a:xfrm>
+            <a:off x="0" y="0"/>
+            <a:ext cx="2820003" cy="5257291"/>
+          </a:xfrm>
+          <a:prstGeom prst="rect">
+            <a:avLst/>
+          </a:prstGeom>
+        </p:spPr>
+      </p:pic>
+      <p:pic>
+        <p:nvPicPr>
+          <p:cNvPr id="3" name="Picture 2" descr="Load Template Menu.png"/>
+          <p:cNvPicPr>
+            <a:picLocks noChangeAspect="1"/>
+          </p:cNvPicPr>
+          <p:nvPr/>
+        </p:nvPicPr>
+        <p:blipFill>
+          <a:blip r:embed="rId3">
+            <a:extLst>
+              <a:ext uri="{28A0092B-C50C-407E-A947-70E740481C1C}">
+                <a14:useLocalDpi xmlns:a14="http://schemas.microsoft.com/office/drawing/2010/main" val="0"/>
+              </a:ext>
+            </a:extLst>
+          </a:blip>
+          <a:stretch>
+            <a:fillRect/>
+          </a:stretch>
+        </p:blipFill>
+        <p:spPr>
+          <a:xfrm>
+            <a:off x="4426098" y="0"/>
+            <a:ext cx="2735735" cy="5100191"/>
+          </a:xfrm>
+          <a:prstGeom prst="rect">
+            <a:avLst/>
+          </a:prstGeom>
+        </p:spPr>
+      </p:pic>
+      <p:cxnSp>
+        <p:nvCxnSpPr>
+          <p:cNvPr id="5" name="Straight Arrow Connector 4"/>
+          <p:cNvCxnSpPr/>
+          <p:nvPr/>
+        </p:nvCxnSpPr>
+        <p:spPr>
+          <a:xfrm>
+            <a:off x="2633248" y="2091480"/>
+            <a:ext cx="1792850" cy="18674"/>
+          </a:xfrm>
+          <a:prstGeom prst="straightConnector1">
+            <a:avLst/>
+          </a:prstGeom>
+          <a:ln>
+            <a:tailEnd type="arrow"/>
+          </a:ln>
+        </p:spPr>
+        <p:style>
+          <a:lnRef idx="2">
+            <a:schemeClr val="accent1"/>
+          </a:lnRef>
+          <a:fillRef idx="0">
+            <a:schemeClr val="accent1"/>
+          </a:fillRef>
+          <a:effectRef idx="1">
+            <a:schemeClr val="accent1"/>
+          </a:effectRef>
+          <a:fontRef idx="minor">
+            <a:schemeClr val="tx1"/>
+          </a:fontRef>
+        </p:style>
+      </p:cxnSp>
+      <p:cxnSp>
+        <p:nvCxnSpPr>
+          <p:cNvPr id="6" name="Straight Arrow Connector 5"/>
+          <p:cNvCxnSpPr/>
+          <p:nvPr/>
+        </p:nvCxnSpPr>
+        <p:spPr>
+          <a:xfrm>
+            <a:off x="1272931" y="5257291"/>
+            <a:ext cx="0" cy="1110518"/>
+          </a:xfrm>
+          <a:prstGeom prst="straightConnector1">
+            <a:avLst/>
+          </a:prstGeom>
+          <a:ln>
+            <a:tailEnd type="arrow"/>
+          </a:ln>
+        </p:spPr>
+        <p:style>
+          <a:lnRef idx="2">
+            <a:schemeClr val="accent1"/>
+          </a:lnRef>
+          <a:fillRef idx="0">
+            <a:schemeClr val="accent1"/>
+          </a:fillRef>
+          <a:effectRef idx="1">
+            <a:schemeClr val="accent1"/>
+          </a:effectRef>
+          <a:fontRef idx="minor">
+            <a:schemeClr val="tx1"/>
+          </a:fontRef>
+        </p:style>
+      </p:cxnSp>
+      <p:sp>
+        <p:nvSpPr>
+          <p:cNvPr id="10" name="TextBox 9"/>
+          <p:cNvSpPr txBox="1"/>
+          <p:nvPr/>
+        </p:nvSpPr>
+        <p:spPr>
+          <a:xfrm>
+            <a:off x="1499451" y="6183143"/>
+            <a:ext cx="1614294" cy="369332"/>
+          </a:xfrm>
+          <a:prstGeom prst="rect">
+            <a:avLst/>
+          </a:prstGeom>
+          <a:noFill/>
+        </p:spPr>
+        <p:txBody>
+          <a:bodyPr wrap="none" rtlCol="0">
+            <a:spAutoFit/>
+          </a:bodyPr>
+          <a:lstStyle/>
+          <a:p>
+            <a:r>
+              <a:rPr lang="en-US" dirty="0" smtClean="0"/>
+              <a:t>Assign Sections </a:t>
+            </a:r>
+            <a:endParaRPr lang="en-US" dirty="0"/>
+          </a:p>
+        </p:txBody>
+      </p:sp>
+    </p:spTree>
+    <p:extLst>
+      <p:ext uri="{BB962C8B-B14F-4D97-AF65-F5344CB8AC3E}">
+        <p14:creationId xmlns:p14="http://schemas.microsoft.com/office/powerpoint/2010/main" val="970112554"/>
+      </p:ext>
+    </p:extLst>
+  </p:cSld>
+  <p:clrMapOvr>
+    <a:masterClrMapping/>
+  </p:clrMapOvr>
+</p:sld>
+</file>
+
+<file path=ppt/slides/slide2.xml><?xml version="1.0" encoding="utf-8"?>
+<p:sld xmlns:a="http://schemas.openxmlformats.org/drawingml/2006/main" xmlns:r="http://schemas.openxmlformats.org/officeDocument/2006/relationships" xmlns:p="http://schemas.openxmlformats.org/presentationml/2006/main">
+  <p:cSld>
+    <p:spTree>
+      <p:nvGrpSpPr>
+        <p:cNvPr id="1" name=""/>
+        <p:cNvGrpSpPr/>
+        <p:nvPr/>
+      </p:nvGrpSpPr>
+      <p:grpSpPr>
+        <a:xfrm>
+          <a:off x="0" y="0"/>
+          <a:ext cx="0" cy="0"/>
+          <a:chOff x="0" y="0"/>
+          <a:chExt cx="0" cy="0"/>
+        </a:xfrm>
+      </p:grpSpPr>
+      <p:pic>
+        <p:nvPicPr>
           <p:cNvPr id="2" name="Picture 1" descr="Assign Sections for Judging.png"/>
           <p:cNvPicPr>
             <a:picLocks noChangeAspect="1"/>
@@ -3266,7 +3621,7 @@
 </p:sld>
 </file>
 
-<file path=ppt/slides/slide2.xml><?xml version="1.0" encoding="utf-8"?>
+<file path=ppt/slides/slide3.xml><?xml version="1.0" encoding="utf-8"?>
 <p:sld xmlns:a="http://schemas.openxmlformats.org/drawingml/2006/main" xmlns:r="http://schemas.openxmlformats.org/officeDocument/2006/relationships" xmlns:p="http://schemas.openxmlformats.org/presentationml/2006/main">
   <p:cSld>
     <p:spTree>
@@ -3454,7 +3809,7 @@
 </p:sld>
 </file>
 
-<file path=ppt/slides/slide3.xml><?xml version="1.0" encoding="utf-8"?>
+<file path=ppt/slides/slide4.xml><?xml version="1.0" encoding="utf-8"?>
 <p:sld xmlns:a="http://schemas.openxmlformats.org/drawingml/2006/main" xmlns:r="http://schemas.openxmlformats.org/officeDocument/2006/relationships" xmlns:p="http://schemas.openxmlformats.org/presentationml/2006/main">
   <p:cSld>
     <p:spTree>
@@ -4021,4 +4376,324 @@
   </a:objectDefaults>
   <a:extraClrSchemeLst/>
 </a:theme>
+</file>
+
+<file path=ppt/theme/theme2.xml><?xml version="1.0" encoding="utf-8"?>
+<a:theme xmlns:a="http://schemas.openxmlformats.org/drawingml/2006/main" name="Office Theme">
+  <a:themeElements>
+    <a:clrScheme name="Office">
+      <a:dk1>
+        <a:sysClr val="windowText" lastClr="000000"/>
+      </a:dk1>
+      <a:lt1>
+        <a:sysClr val="window" lastClr="FFFFFF"/>
+      </a:lt1>
+      <a:dk2>
+        <a:srgbClr val="1F497D"/>
+      </a:dk2>
+      <a:lt2>
+        <a:srgbClr val="EEECE1"/>
+      </a:lt2>
+      <a:accent1>
+        <a:srgbClr val="4F81BD"/>
+      </a:accent1>
+      <a:accent2>
+        <a:srgbClr val="C0504D"/>
+      </a:accent2>
+      <a:accent3>
+        <a:srgbClr val="9BBB59"/>
+      </a:accent3>
+      <a:accent4>
+        <a:srgbClr val="8064A2"/>
+      </a:accent4>
+      <a:accent5>
+        <a:srgbClr val="4BACC6"/>
+      </a:accent5>
+      <a:accent6>
+        <a:srgbClr val="F79646"/>
+      </a:accent6>
+      <a:hlink>
+        <a:srgbClr val="0000FF"/>
+      </a:hlink>
+      <a:folHlink>
+        <a:srgbClr val="800080"/>
+      </a:folHlink>
+    </a:clrScheme>
+    <a:fontScheme name="Office">
+      <a:majorFont>
+        <a:latin typeface="Calibri"/>
+        <a:ea typeface=""/>
+        <a:cs typeface=""/>
+        <a:font script="Jpan" typeface="ＭＳ Ｐゴシック"/>
+        <a:font script="Hang" typeface="맑은 고딕"/>
+        <a:font script="Hans" typeface="宋体"/>
+        <a:font script="Hant" typeface="新細明體"/>
+        <a:font script="Arab" typeface="Times New Roman"/>
+        <a:font script="Hebr" typeface="Times New Roman"/>
+        <a:font script="Thai" typeface="Angsana New"/>
+        <a:font script="Ethi" typeface="Nyala"/>
+        <a:font script="Beng" typeface="Vrinda"/>
+        <a:font script="Gujr" typeface="Shruti"/>
+        <a:font script="Khmr" typeface="MoolBoran"/>
+        <a:font script="Knda" typeface="Tunga"/>
+        <a:font script="Guru" typeface="Raavi"/>
+        <a:font script="Cans" typeface="Euphemia"/>
+        <a:font script="Cher" typeface="Plantagenet Cherokee"/>
+        <a:font script="Yiii" typeface="Microsoft Yi Baiti"/>
+        <a:font script="Tibt" typeface="Microsoft Himalaya"/>
+        <a:font script="Thaa" typeface="MV Boli"/>
+        <a:font script="Deva" typeface="Mangal"/>
+        <a:font script="Telu" typeface="Gautami"/>
+        <a:font script="Taml" typeface="Latha"/>
+        <a:font script="Syrc" typeface="Estrangelo Edessa"/>
+        <a:font script="Orya" typeface="Kalinga"/>
+        <a:font script="Mlym" typeface="Kartika"/>
+        <a:font script="Laoo" typeface="DokChampa"/>
+        <a:font script="Sinh" typeface="Iskoola Pota"/>
+        <a:font script="Mong" typeface="Mongolian Baiti"/>
+        <a:font script="Viet" typeface="Times New Roman"/>
+        <a:font script="Uigh" typeface="Microsoft Uighur"/>
+        <a:font script="Geor" typeface="Sylfaen"/>
+      </a:majorFont>
+      <a:minorFont>
+        <a:latin typeface="Calibri"/>
+        <a:ea typeface=""/>
+        <a:cs typeface=""/>
+        <a:font script="Jpan" typeface="ＭＳ Ｐゴシック"/>
+        <a:font script="Hang" typeface="맑은 고딕"/>
+        <a:font script="Hans" typeface="宋体"/>
+        <a:font script="Hant" typeface="新細明體"/>
+        <a:font script="Arab" typeface="Arial"/>
+        <a:font script="Hebr" typeface="Arial"/>
+        <a:font script="Thai" typeface="Cordia New"/>
+        <a:font script="Ethi" typeface="Nyala"/>
+        <a:font script="Beng" typeface="Vrinda"/>
+        <a:font script="Gujr" typeface="Shruti"/>
+        <a:font script="Khmr" typeface="DaunPenh"/>
+        <a:font script="Knda" typeface="Tunga"/>
+        <a:font script="Guru" typeface="Raavi"/>
+        <a:font script="Cans" typeface="Euphemia"/>
+        <a:font script="Cher" typeface="Plantagenet Cherokee"/>
+        <a:font script="Yiii" typeface="Microsoft Yi Baiti"/>
+        <a:font script="Tibt" typeface="Microsoft Himalaya"/>
+        <a:font script="Thaa" typeface="MV Boli"/>
+        <a:font script="Deva" typeface="Mangal"/>
+        <a:font script="Telu" typeface="Gautami"/>
+        <a:font script="Taml" typeface="Latha"/>
+        <a:font script="Syrc" typeface="Estrangelo Edessa"/>
+        <a:font script="Orya" typeface="Kalinga"/>
+        <a:font script="Mlym" typeface="Kartika"/>
+        <a:font script="Laoo" typeface="DokChampa"/>
+        <a:font script="Sinh" typeface="Iskoola Pota"/>
+        <a:font script="Mong" typeface="Mongolian Baiti"/>
+        <a:font script="Viet" typeface="Arial"/>
+        <a:font script="Uigh" typeface="Microsoft Uighur"/>
+        <a:font script="Geor" typeface="Sylfaen"/>
+      </a:minorFont>
+    </a:fontScheme>
+    <a:fmtScheme name="Office">
+      <a:fillStyleLst>
+        <a:solidFill>
+          <a:schemeClr val="phClr"/>
+        </a:solidFill>
+        <a:gradFill rotWithShape="1">
+          <a:gsLst>
+            <a:gs pos="0">
+              <a:schemeClr val="phClr">
+                <a:tint val="50000"/>
+                <a:satMod val="300000"/>
+              </a:schemeClr>
+            </a:gs>
+            <a:gs pos="35000">
+              <a:schemeClr val="phClr">
+                <a:tint val="37000"/>
+                <a:satMod val="300000"/>
+              </a:schemeClr>
+            </a:gs>
+            <a:gs pos="100000">
+              <a:schemeClr val="phClr">
+                <a:tint val="15000"/>
+                <a:satMod val="350000"/>
+              </a:schemeClr>
+            </a:gs>
+          </a:gsLst>
+          <a:lin ang="16200000" scaled="1"/>
+        </a:gradFill>
+        <a:gradFill rotWithShape="1">
+          <a:gsLst>
+            <a:gs pos="0">
+              <a:schemeClr val="phClr">
+                <a:tint val="100000"/>
+                <a:shade val="100000"/>
+                <a:satMod val="130000"/>
+              </a:schemeClr>
+            </a:gs>
+            <a:gs pos="100000">
+              <a:schemeClr val="phClr">
+                <a:tint val="50000"/>
+                <a:shade val="100000"/>
+                <a:satMod val="350000"/>
+              </a:schemeClr>
+            </a:gs>
+          </a:gsLst>
+          <a:lin ang="16200000" scaled="0"/>
+        </a:gradFill>
+      </a:fillStyleLst>
+      <a:lnStyleLst>
+        <a:ln w="9525" cap="flat" cmpd="sng" algn="ctr">
+          <a:solidFill>
+            <a:schemeClr val="phClr">
+              <a:shade val="95000"/>
+              <a:satMod val="105000"/>
+            </a:schemeClr>
+          </a:solidFill>
+          <a:prstDash val="solid"/>
+        </a:ln>
+        <a:ln w="25400" cap="flat" cmpd="sng" algn="ctr">
+          <a:solidFill>
+            <a:schemeClr val="phClr"/>
+          </a:solidFill>
+          <a:prstDash val="solid"/>
+        </a:ln>
+        <a:ln w="38100" cap="flat" cmpd="sng" algn="ctr">
+          <a:solidFill>
+            <a:schemeClr val="phClr"/>
+          </a:solidFill>
+          <a:prstDash val="solid"/>
+        </a:ln>
+      </a:lnStyleLst>
+      <a:effectStyleLst>
+        <a:effectStyle>
+          <a:effectLst>
+            <a:outerShdw blurRad="40000" dist="20000" dir="5400000" rotWithShape="0">
+              <a:srgbClr val="000000">
+                <a:alpha val="38000"/>
+              </a:srgbClr>
+            </a:outerShdw>
+          </a:effectLst>
+        </a:effectStyle>
+        <a:effectStyle>
+          <a:effectLst>
+            <a:outerShdw blurRad="40000" dist="23000" dir="5400000" rotWithShape="0">
+              <a:srgbClr val="000000">
+                <a:alpha val="35000"/>
+              </a:srgbClr>
+            </a:outerShdw>
+          </a:effectLst>
+        </a:effectStyle>
+        <a:effectStyle>
+          <a:effectLst>
+            <a:outerShdw blurRad="40000" dist="23000" dir="5400000" rotWithShape="0">
+              <a:srgbClr val="000000">
+                <a:alpha val="35000"/>
+              </a:srgbClr>
+            </a:outerShdw>
+          </a:effectLst>
+          <a:scene3d>
+            <a:camera prst="orthographicFront">
+              <a:rot lat="0" lon="0" rev="0"/>
+            </a:camera>
+            <a:lightRig rig="threePt" dir="t">
+              <a:rot lat="0" lon="0" rev="1200000"/>
+            </a:lightRig>
+          </a:scene3d>
+          <a:sp3d>
+            <a:bevelT w="63500" h="25400"/>
+          </a:sp3d>
+        </a:effectStyle>
+      </a:effectStyleLst>
+      <a:bgFillStyleLst>
+        <a:solidFill>
+          <a:schemeClr val="phClr"/>
+        </a:solidFill>
+        <a:gradFill rotWithShape="1">
+          <a:gsLst>
+            <a:gs pos="0">
+              <a:schemeClr val="phClr">
+                <a:tint val="40000"/>
+                <a:satMod val="350000"/>
+              </a:schemeClr>
+            </a:gs>
+            <a:gs pos="40000">
+              <a:schemeClr val="phClr">
+                <a:tint val="45000"/>
+                <a:shade val="99000"/>
+                <a:satMod val="350000"/>
+              </a:schemeClr>
+            </a:gs>
+            <a:gs pos="100000">
+              <a:schemeClr val="phClr">
+                <a:shade val="20000"/>
+                <a:satMod val="255000"/>
+              </a:schemeClr>
+            </a:gs>
+          </a:gsLst>
+          <a:path path="circle">
+            <a:fillToRect l="50000" t="-80000" r="50000" b="180000"/>
+          </a:path>
+        </a:gradFill>
+        <a:gradFill rotWithShape="1">
+          <a:gsLst>
+            <a:gs pos="0">
+              <a:schemeClr val="phClr">
+                <a:tint val="80000"/>
+                <a:satMod val="300000"/>
+              </a:schemeClr>
+            </a:gs>
+            <a:gs pos="100000">
+              <a:schemeClr val="phClr">
+                <a:shade val="30000"/>
+                <a:satMod val="200000"/>
+              </a:schemeClr>
+            </a:gs>
+          </a:gsLst>
+          <a:path path="circle">
+            <a:fillToRect l="50000" t="50000" r="50000" b="50000"/>
+          </a:path>
+        </a:gradFill>
+      </a:bgFillStyleLst>
+    </a:fmtScheme>
+  </a:themeElements>
+  <a:objectDefaults>
+    <a:spDef>
+      <a:spPr/>
+      <a:bodyPr/>
+      <a:lstStyle/>
+      <a:style>
+        <a:lnRef idx="1">
+          <a:schemeClr val="accent1"/>
+        </a:lnRef>
+        <a:fillRef idx="3">
+          <a:schemeClr val="accent1"/>
+        </a:fillRef>
+        <a:effectRef idx="2">
+          <a:schemeClr val="accent1"/>
+        </a:effectRef>
+        <a:fontRef idx="minor">
+          <a:schemeClr val="lt1"/>
+        </a:fontRef>
+      </a:style>
+    </a:spDef>
+    <a:lnDef>
+      <a:spPr/>
+      <a:bodyPr/>
+      <a:lstStyle/>
+      <a:style>
+        <a:lnRef idx="2">
+          <a:schemeClr val="accent1"/>
+        </a:lnRef>
+        <a:fillRef idx="0">
+          <a:schemeClr val="accent1"/>
+        </a:fillRef>
+        <a:effectRef idx="1">
+          <a:schemeClr val="accent1"/>
+        </a:effectRef>
+        <a:fontRef idx="minor">
+          <a:schemeClr val="tx1"/>
+        </a:fontRef>
+      </a:style>
+    </a:lnDef>
+  </a:objectDefaults>
+  <a:extraClrSchemeLst/>
+</a:theme>
 </file>